--- a/Powerpoint/Hushabye Mountain.pptx
+++ b/Powerpoint/Hushabye Mountain.pptx
@@ -132,7 +132,7 @@
   <pc:docChgLst>
     <pc:chgData name="Paul Butler" userId="df8f2140a6bcd2b8" providerId="LiveId" clId="{7D93A4C4-D2F6-4C93-BE96-B4D279BF14F5}"/>
     <pc:docChg chg="undo custSel addSld modSld">
-      <pc:chgData name="Paul Butler" userId="df8f2140a6bcd2b8" providerId="LiveId" clId="{7D93A4C4-D2F6-4C93-BE96-B4D279BF14F5}" dt="2021-03-17T01:43:05.201" v="575" actId="571"/>
+      <pc:chgData name="Paul Butler" userId="df8f2140a6bcd2b8" providerId="LiveId" clId="{7D93A4C4-D2F6-4C93-BE96-B4D279BF14F5}" dt="2021-03-24T02:26:35.769" v="577" actId="478"/>
       <pc:docMkLst>
         <pc:docMk/>
       </pc:docMkLst>
@@ -2207,7 +2207,7 @@
         </pc:cxnChg>
       </pc:sldChg>
       <pc:sldChg chg="addSp delSp modSp add mod">
-        <pc:chgData name="Paul Butler" userId="df8f2140a6bcd2b8" providerId="LiveId" clId="{7D93A4C4-D2F6-4C93-BE96-B4D279BF14F5}" dt="2021-03-14T21:35:53.404" v="567" actId="478"/>
+        <pc:chgData name="Paul Butler" userId="df8f2140a6bcd2b8" providerId="LiveId" clId="{7D93A4C4-D2F6-4C93-BE96-B4D279BF14F5}" dt="2021-03-24T02:26:04.400" v="576" actId="478"/>
         <pc:sldMkLst>
           <pc:docMk/>
           <pc:sldMk cId="2932861581" sldId="259"/>
@@ -2242,6 +2242,14 @@
             <pc:docMk/>
             <pc:sldMk cId="2932861581" sldId="259"/>
             <ac:spMk id="54" creationId="{DC660C7C-5D99-49A6-AB79-C14B0B5A2841}"/>
+          </ac:spMkLst>
+        </pc:spChg>
+        <pc:spChg chg="del">
+          <ac:chgData name="Paul Butler" userId="df8f2140a6bcd2b8" providerId="LiveId" clId="{7D93A4C4-D2F6-4C93-BE96-B4D279BF14F5}" dt="2021-03-24T02:26:04.400" v="576" actId="478"/>
+          <ac:spMkLst>
+            <pc:docMk/>
+            <pc:sldMk cId="2932861581" sldId="259"/>
+            <ac:spMk id="55" creationId="{E9413616-64C1-48CF-B913-6B752913A483}"/>
           </ac:spMkLst>
         </pc:spChg>
         <pc:spChg chg="mod">
@@ -3101,7 +3109,7 @@
         </pc:cxnChg>
       </pc:sldChg>
       <pc:sldChg chg="addSp delSp modSp add mod">
-        <pc:chgData name="Paul Butler" userId="df8f2140a6bcd2b8" providerId="LiveId" clId="{7D93A4C4-D2F6-4C93-BE96-B4D279BF14F5}" dt="2021-03-14T21:36:02.450" v="569" actId="478"/>
+        <pc:chgData name="Paul Butler" userId="df8f2140a6bcd2b8" providerId="LiveId" clId="{7D93A4C4-D2F6-4C93-BE96-B4D279BF14F5}" dt="2021-03-24T02:26:35.769" v="577" actId="478"/>
         <pc:sldMkLst>
           <pc:docMk/>
           <pc:sldMk cId="2619920858" sldId="261"/>
@@ -3122,8 +3130,8 @@
             <ac:spMk id="52" creationId="{16D1CF23-CA72-4EEF-90CB-8097C4FC9E2B}"/>
           </ac:spMkLst>
         </pc:spChg>
-        <pc:spChg chg="mod">
-          <ac:chgData name="Paul Butler" userId="df8f2140a6bcd2b8" providerId="LiveId" clId="{7D93A4C4-D2F6-4C93-BE96-B4D279BF14F5}" dt="2021-03-14T17:19:37.682" v="330" actId="1076"/>
+        <pc:spChg chg="del mod">
+          <ac:chgData name="Paul Butler" userId="df8f2140a6bcd2b8" providerId="LiveId" clId="{7D93A4C4-D2F6-4C93-BE96-B4D279BF14F5}" dt="2021-03-24T02:26:35.769" v="577" actId="478"/>
           <ac:spMkLst>
             <pc:docMk/>
             <pc:sldMk cId="2619920858" sldId="261"/>
@@ -4769,7 +4777,7 @@
           <a:p>
             <a:fld id="{EC76D87C-8368-4C5D-8FA6-9A6C5E9BAEE5}" type="datetimeFigureOut">
               <a:rPr lang="en-US" smtClean="0"/>
-              <a:t>3/15/2021</a:t>
+              <a:t>3/23/2021</a:t>
             </a:fld>
             <a:endParaRPr lang="en-US"/>
           </a:p>
@@ -4967,7 +4975,7 @@
           <a:p>
             <a:fld id="{EC76D87C-8368-4C5D-8FA6-9A6C5E9BAEE5}" type="datetimeFigureOut">
               <a:rPr lang="en-US" smtClean="0"/>
-              <a:t>3/15/2021</a:t>
+              <a:t>3/23/2021</a:t>
             </a:fld>
             <a:endParaRPr lang="en-US"/>
           </a:p>
@@ -5175,7 +5183,7 @@
           <a:p>
             <a:fld id="{EC76D87C-8368-4C5D-8FA6-9A6C5E9BAEE5}" type="datetimeFigureOut">
               <a:rPr lang="en-US" smtClean="0"/>
-              <a:t>3/15/2021</a:t>
+              <a:t>3/23/2021</a:t>
             </a:fld>
             <a:endParaRPr lang="en-US"/>
           </a:p>
@@ -5373,7 +5381,7 @@
           <a:p>
             <a:fld id="{EC76D87C-8368-4C5D-8FA6-9A6C5E9BAEE5}" type="datetimeFigureOut">
               <a:rPr lang="en-US" smtClean="0"/>
-              <a:t>3/15/2021</a:t>
+              <a:t>3/23/2021</a:t>
             </a:fld>
             <a:endParaRPr lang="en-US"/>
           </a:p>
@@ -5648,7 +5656,7 @@
           <a:p>
             <a:fld id="{EC76D87C-8368-4C5D-8FA6-9A6C5E9BAEE5}" type="datetimeFigureOut">
               <a:rPr lang="en-US" smtClean="0"/>
-              <a:t>3/15/2021</a:t>
+              <a:t>3/23/2021</a:t>
             </a:fld>
             <a:endParaRPr lang="en-US"/>
           </a:p>
@@ -5913,7 +5921,7 @@
           <a:p>
             <a:fld id="{EC76D87C-8368-4C5D-8FA6-9A6C5E9BAEE5}" type="datetimeFigureOut">
               <a:rPr lang="en-US" smtClean="0"/>
-              <a:t>3/15/2021</a:t>
+              <a:t>3/23/2021</a:t>
             </a:fld>
             <a:endParaRPr lang="en-US"/>
           </a:p>
@@ -6325,7 +6333,7 @@
           <a:p>
             <a:fld id="{EC76D87C-8368-4C5D-8FA6-9A6C5E9BAEE5}" type="datetimeFigureOut">
               <a:rPr lang="en-US" smtClean="0"/>
-              <a:t>3/15/2021</a:t>
+              <a:t>3/23/2021</a:t>
             </a:fld>
             <a:endParaRPr lang="en-US"/>
           </a:p>
@@ -6466,7 +6474,7 @@
           <a:p>
             <a:fld id="{EC76D87C-8368-4C5D-8FA6-9A6C5E9BAEE5}" type="datetimeFigureOut">
               <a:rPr lang="en-US" smtClean="0"/>
-              <a:t>3/15/2021</a:t>
+              <a:t>3/23/2021</a:t>
             </a:fld>
             <a:endParaRPr lang="en-US"/>
           </a:p>
@@ -6579,7 +6587,7 @@
           <a:p>
             <a:fld id="{EC76D87C-8368-4C5D-8FA6-9A6C5E9BAEE5}" type="datetimeFigureOut">
               <a:rPr lang="en-US" smtClean="0"/>
-              <a:t>3/15/2021</a:t>
+              <a:t>3/23/2021</a:t>
             </a:fld>
             <a:endParaRPr lang="en-US"/>
           </a:p>
@@ -6890,7 +6898,7 @@
           <a:p>
             <a:fld id="{EC76D87C-8368-4C5D-8FA6-9A6C5E9BAEE5}" type="datetimeFigureOut">
               <a:rPr lang="en-US" smtClean="0"/>
-              <a:t>3/15/2021</a:t>
+              <a:t>3/23/2021</a:t>
             </a:fld>
             <a:endParaRPr lang="en-US"/>
           </a:p>
@@ -7178,7 +7186,7 @@
           <a:p>
             <a:fld id="{EC76D87C-8368-4C5D-8FA6-9A6C5E9BAEE5}" type="datetimeFigureOut">
               <a:rPr lang="en-US" smtClean="0"/>
-              <a:t>3/15/2021</a:t>
+              <a:t>3/23/2021</a:t>
             </a:fld>
             <a:endParaRPr lang="en-US"/>
           </a:p>
@@ -7419,7 +7427,7 @@
           <a:p>
             <a:fld id="{EC76D87C-8368-4C5D-8FA6-9A6C5E9BAEE5}" type="datetimeFigureOut">
               <a:rPr lang="en-US" smtClean="0"/>
-              <a:t>3/15/2021</a:t>
+              <a:t>3/23/2021</a:t>
             </a:fld>
             <a:endParaRPr lang="en-US"/>
           </a:p>
@@ -19488,41 +19496,6 @@
       </p:sp>
       <p:sp>
         <p:nvSpPr>
-          <p:cNvPr id="55" name="TextBox 54">
-            <a:extLst>
-              <a:ext uri="{FF2B5EF4-FFF2-40B4-BE49-F238E27FC236}">
-                <a16:creationId xmlns:a16="http://schemas.microsoft.com/office/drawing/2014/main" id="{E9413616-64C1-48CF-B913-6B752913A483}"/>
-              </a:ext>
-            </a:extLst>
-          </p:cNvPr>
-          <p:cNvSpPr txBox="1"/>
-          <p:nvPr/>
-        </p:nvSpPr>
-        <p:spPr>
-          <a:xfrm>
-            <a:off x="4516898" y="2525598"/>
-            <a:ext cx="276038" cy="307777"/>
-          </a:xfrm>
-          <a:prstGeom prst="rect">
-            <a:avLst/>
-          </a:prstGeom>
-          <a:noFill/>
-        </p:spPr>
-        <p:txBody>
-          <a:bodyPr wrap="none" rtlCol="0">
-            <a:spAutoFit/>
-          </a:bodyPr>
-          <a:lstStyle/>
-          <a:p>
-            <a:r>
-              <a:rPr lang="en-US" sz="1400" dirty="0"/>
-              <a:t>5</a:t>
-            </a:r>
-          </a:p>
-        </p:txBody>
-      </p:sp>
-      <p:sp>
-        <p:nvSpPr>
           <p:cNvPr id="56" name="TextBox 55">
             <a:extLst>
               <a:ext uri="{FF2B5EF4-FFF2-40B4-BE49-F238E27FC236}">
@@ -24286,41 +24259,6 @@
       </p:sp>
       <p:sp>
         <p:nvSpPr>
-          <p:cNvPr id="55" name="TextBox 54">
-            <a:extLst>
-              <a:ext uri="{FF2B5EF4-FFF2-40B4-BE49-F238E27FC236}">
-                <a16:creationId xmlns:a16="http://schemas.microsoft.com/office/drawing/2014/main" id="{E9413616-64C1-48CF-B913-6B752913A483}"/>
-              </a:ext>
-            </a:extLst>
-          </p:cNvPr>
-          <p:cNvSpPr txBox="1"/>
-          <p:nvPr/>
-        </p:nvSpPr>
-        <p:spPr>
-          <a:xfrm>
-            <a:off x="4684314" y="2533041"/>
-            <a:ext cx="276038" cy="307777"/>
-          </a:xfrm>
-          <a:prstGeom prst="rect">
-            <a:avLst/>
-          </a:prstGeom>
-          <a:noFill/>
-        </p:spPr>
-        <p:txBody>
-          <a:bodyPr wrap="none" rtlCol="0">
-            <a:spAutoFit/>
-          </a:bodyPr>
-          <a:lstStyle/>
-          <a:p>
-            <a:r>
-              <a:rPr lang="en-US" sz="1400" dirty="0"/>
-              <a:t>5</a:t>
-            </a:r>
-          </a:p>
-        </p:txBody>
-      </p:sp>
-      <p:sp>
-        <p:nvSpPr>
           <p:cNvPr id="56" name="TextBox 55">
             <a:extLst>
               <a:ext uri="{FF2B5EF4-FFF2-40B4-BE49-F238E27FC236}">
